--- a/sprint -2/Visão do produto.pptx
+++ b/sprint -2/Visão do produto.pptx
@@ -104,6 +104,11 @@
       </a:defRPr>
     </a:lvl9pPr>
   </p:defaultTextStyle>
+  <p:extLst>
+    <p:ext uri="{EFAFB233-063F-42B5-8137-9DF3F51BA10A}">
+      <p15:sldGuideLst xmlns:p15="http://schemas.microsoft.com/office/powerpoint/2012/main"/>
+    </p:ext>
+  </p:extLst>
 </p:presentation>
 </file>
 
@@ -3399,7 +3404,15 @@
             </a:r>
             <a:r>
               <a:rPr lang="pt-BR" sz="2400" dirty="0"/>
-              <a:t>É UM FEED NO ESTILO REDE SOCIAL ONDE VOCÊ E OUTRAS PESSOAS PODEM AVALIAR A QUALIDADE DAS NOTÍCIAS APONTANDO AS QUE SÃO FALSAS. </a:t>
+              <a:t>É UM </a:t>
+            </a:r>
+            <a:r>
+              <a:rPr lang="pt-BR" sz="2400"/>
+              <a:t>FEED COM CARACTERÍSTICAS DE </a:t>
+            </a:r>
+            <a:r>
+              <a:rPr lang="pt-BR" sz="2400" dirty="0"/>
+              <a:t>REDE SOCIAL ONDE VOCÊ E OUTRAS PESSOAS PODEM AVALIAR A QUALIDADE DAS NOTÍCIAS APONTANDO AS QUE SÃO FALSAS. </a:t>
             </a:r>
             <a:br>
               <a:rPr lang="pt-BR" sz="2400" dirty="0"/>
